--- a/Topic A Understanding Computers/A.6 Lesson - Operating Systems.pptx
+++ b/Topic A Understanding Computers/A.6 Lesson - Operating Systems.pptx
@@ -10,9 +10,10 @@
     <p:sldId id="261" r:id="rId4"/>
     <p:sldId id="260" r:id="rId5"/>
     <p:sldId id="262" r:id="rId6"/>
-    <p:sldId id="263" r:id="rId7"/>
-    <p:sldId id="264" r:id="rId8"/>
-    <p:sldId id="259" r:id="rId9"/>
+    <p:sldId id="265" r:id="rId7"/>
+    <p:sldId id="263" r:id="rId8"/>
+    <p:sldId id="264" r:id="rId9"/>
+    <p:sldId id="259" r:id="rId10"/>
   </p:sldIdLst>
   <p:sldSz cx="9144000" cy="6858000" type="screen4x3"/>
   <p:notesSz cx="6858000" cy="9144000"/>
@@ -2995,11 +2996,7 @@
           <a:p>
             <a:r>
               <a:rPr lang="en-CA" dirty="0" smtClean="0"/>
-              <a:t>Operating </a:t>
-            </a:r>
-            <a:r>
-              <a:rPr lang="en-CA" dirty="0" smtClean="0"/>
-              <a:t>Systems</a:t>
+              <a:t>Operating Systems</a:t>
             </a:r>
             <a:endParaRPr lang="en-US" dirty="0"/>
           </a:p>
@@ -3038,6 +3035,13 @@
   <p:clrMapOvr>
     <a:masterClrMapping/>
   </p:clrMapOvr>
+  <p:timing>
+    <p:tnLst>
+      <p:par>
+        <p:cTn id="1" dur="indefinite" restart="never" nodeType="tmRoot"/>
+      </p:par>
+    </p:tnLst>
+  </p:timing>
 </p:sld>
 </file>
 
@@ -3300,6 +3304,13 @@
   <p:clrMapOvr>
     <a:masterClrMapping/>
   </p:clrMapOvr>
+  <p:timing>
+    <p:tnLst>
+      <p:par>
+        <p:cTn id="1" dur="indefinite" restart="never" nodeType="tmRoot"/>
+      </p:par>
+    </p:tnLst>
+  </p:timing>
 </p:sld>
 </file>
 
@@ -3903,6 +3914,13 @@
   <p:clrMapOvr>
     <a:masterClrMapping/>
   </p:clrMapOvr>
+  <p:timing>
+    <p:tnLst>
+      <p:par>
+        <p:cTn id="1" dur="indefinite" restart="never" nodeType="tmRoot"/>
+      </p:par>
+    </p:tnLst>
+  </p:timing>
 </p:sld>
 </file>
 
@@ -4084,6 +4102,13 @@
   <p:clrMapOvr>
     <a:masterClrMapping/>
   </p:clrMapOvr>
+  <p:timing>
+    <p:tnLst>
+      <p:par>
+        <p:cTn id="1" dur="indefinite" restart="never" nodeType="tmRoot"/>
+      </p:par>
+    </p:tnLst>
+  </p:timing>
 </p:sld>
 </file>
 
@@ -4163,22 +4188,14 @@
             <a:pPr lvl="1"/>
             <a:r>
               <a:rPr lang="en-CA" sz="2000" dirty="0" smtClean="0"/>
-              <a:t>Same applications can run on different </a:t>
-            </a:r>
+              <a:t>Same applications can run on different computer hardware</a:t>
+            </a:r>
+          </a:p>
+          <a:p>
+            <a:pPr lvl="1"/>
             <a:r>
               <a:rPr lang="en-CA" sz="2000" dirty="0" smtClean="0"/>
-              <a:t>computer hardware</a:t>
-            </a:r>
-          </a:p>
-          <a:p>
-            <a:pPr lvl="1"/>
-            <a:r>
-              <a:rPr lang="en-CA" sz="2000" dirty="0" smtClean="0"/>
-              <a:t>Operating System must be configured according to hardware components present in the computer</a:t>
-            </a:r>
-            <a:r>
-              <a:rPr lang="en-CA" sz="2000" dirty="0" smtClean="0"/>
-              <a:t> </a:t>
+              <a:t>Operating System must be configured according to hardware components present in the computer </a:t>
             </a:r>
             <a:endParaRPr lang="en-CA" sz="2000" dirty="0"/>
           </a:p>
@@ -4196,15 +4213,7 @@
             <a:pPr lvl="1"/>
             <a:r>
               <a:rPr lang="en-CA" sz="2000" dirty="0" smtClean="0"/>
-              <a:t>Applications focus on what is contained and </a:t>
-            </a:r>
-            <a:r>
-              <a:rPr lang="en-CA" sz="2000" dirty="0" smtClean="0"/>
-              <a:t>displayed </a:t>
-            </a:r>
-            <a:r>
-              <a:rPr lang="en-CA" sz="2000" dirty="0" smtClean="0"/>
-              <a:t>within a window</a:t>
+              <a:t>Applications focus on what is contained and displayed within a window</a:t>
             </a:r>
           </a:p>
           <a:p>
@@ -4228,11 +4237,7 @@
           <a:p>
             <a:r>
               <a:rPr lang="en-CA" sz="2400" dirty="0" smtClean="0"/>
-              <a:t>Resource </a:t>
-            </a:r>
-            <a:r>
-              <a:rPr lang="en-CA" sz="2400" dirty="0" smtClean="0"/>
-              <a:t>Allocation</a:t>
+              <a:t>Resource Allocation</a:t>
             </a:r>
           </a:p>
           <a:p>
@@ -4255,7 +4260,6 @@
               <a:rPr lang="en-CA" sz="2000" dirty="0" smtClean="0"/>
               <a:t>Operating System coordinates resource allocation between applications</a:t>
             </a:r>
-            <a:endParaRPr lang="en-CA" sz="2000" dirty="0" smtClean="0"/>
           </a:p>
           <a:p>
             <a:pPr lvl="1"/>
@@ -4273,6 +4277,13 @@
   <p:clrMapOvr>
     <a:masterClrMapping/>
   </p:clrMapOvr>
+  <p:timing>
+    <p:tnLst>
+      <p:par>
+        <p:cTn id="1" dur="indefinite" restart="never" nodeType="tmRoot"/>
+      </p:par>
+    </p:tnLst>
+  </p:timing>
 </p:sld>
 </file>
 
@@ -4342,7 +4353,7 @@
         <p:spPr/>
         <p:txBody>
           <a:bodyPr>
-            <a:normAutofit/>
+            <a:normAutofit fontScale="85000" lnSpcReduction="10000"/>
           </a:bodyPr>
           <a:lstStyle/>
           <a:p>
@@ -4355,8 +4366,11 @@
             <a:pPr lvl="1"/>
             <a:r>
               <a:rPr lang="en-CA" sz="2000" dirty="0" smtClean="0"/>
-              <a:t>Windows Display, mouse, keyboard, sound, etc.</a:t>
-            </a:r>
+              <a:t>Manages Windows Display, mouse, keyboard, sound, etc. and provides feedback to user application programs through system calls.</a:t>
+            </a:r>
+          </a:p>
+          <a:p>
+            <a:pPr lvl="1"/>
             <a:endParaRPr lang="en-CA" sz="2000" dirty="0" smtClean="0"/>
           </a:p>
           <a:p>
@@ -4366,37 +4380,74 @@
             </a:r>
           </a:p>
           <a:p>
+            <a:pPr lvl="1"/>
+            <a:r>
+              <a:rPr lang="en-CA" sz="2000" dirty="0" smtClean="0"/>
+              <a:t>Allows user application programs to access Operating System resources</a:t>
+            </a:r>
+          </a:p>
+          <a:p>
+            <a:pPr lvl="1"/>
+            <a:r>
+              <a:rPr lang="en-CA" sz="2000" dirty="0" smtClean="0"/>
+              <a:t>Allows Operating System to provide feedback to user programs</a:t>
+            </a:r>
+          </a:p>
+          <a:p>
+            <a:pPr lvl="1"/>
+            <a:endParaRPr lang="en-CA" sz="2000" dirty="0" smtClean="0"/>
+          </a:p>
+          <a:p>
             <a:r>
               <a:rPr lang="en-CA" sz="2400" dirty="0" smtClean="0"/>
               <a:t>Device Drivers</a:t>
             </a:r>
           </a:p>
           <a:p>
+            <a:pPr lvl="1"/>
+            <a:r>
+              <a:rPr lang="en-CA" sz="2000" dirty="0" smtClean="0"/>
+              <a:t>Converts a basic function (e.g. Display a Pixel) to detailed commands for a specific make and model of hardware (e.g. </a:t>
+            </a:r>
+            <a:r>
+              <a:rPr lang="en-US" sz="2000" dirty="0" err="1"/>
+              <a:t>Nvidia</a:t>
+            </a:r>
+            <a:r>
+              <a:rPr lang="en-US" sz="2000" dirty="0"/>
+              <a:t> GeForce RTX </a:t>
+            </a:r>
+            <a:r>
+              <a:rPr lang="en-US" sz="2000" dirty="0" smtClean="0"/>
+              <a:t>2070)</a:t>
+            </a:r>
+          </a:p>
+          <a:p>
+            <a:pPr lvl="1"/>
+            <a:endParaRPr lang="en-CA" sz="2000" dirty="0" smtClean="0"/>
+          </a:p>
+          <a:p>
             <a:r>
               <a:rPr lang="en-CA" sz="2400" dirty="0" smtClean="0"/>
               <a:t>I/O Manager</a:t>
             </a:r>
           </a:p>
           <a:p>
-            <a:r>
-              <a:rPr lang="en-CA" sz="2400" dirty="0" smtClean="0"/>
-              <a:t>Memory Manager</a:t>
-            </a:r>
-          </a:p>
-          <a:p>
-            <a:r>
-              <a:rPr lang="en-CA" sz="2400" dirty="0" smtClean="0"/>
-              <a:t>Process Manager</a:t>
-            </a:r>
-          </a:p>
-          <a:p>
-            <a:r>
-              <a:rPr lang="en-CA" sz="2400" dirty="0" smtClean="0"/>
-              <a:t>Security Monitor</a:t>
-            </a:r>
-          </a:p>
-          <a:p>
-            <a:endParaRPr lang="en-CA" sz="2400" dirty="0" smtClean="0"/>
+            <a:pPr lvl="1"/>
+            <a:r>
+              <a:rPr lang="en-CA" sz="2000" dirty="0" smtClean="0"/>
+              <a:t>Schedules access to input / output devices (e.g. disk drive) to avoid conflicts between user applications</a:t>
+            </a:r>
+          </a:p>
+          <a:p>
+            <a:pPr lvl="1"/>
+            <a:endParaRPr lang="en-CA" sz="2000" dirty="0" smtClean="0"/>
+          </a:p>
+          <a:p>
+            <a:pPr marL="457200" lvl="1" indent="0">
+              <a:buNone/>
+            </a:pPr>
+            <a:endParaRPr lang="en-CA" sz="2000" dirty="0" smtClean="0"/>
           </a:p>
           <a:p>
             <a:endParaRPr lang="en-US" sz="2400" dirty="0"/>
@@ -4406,7 +4457,7 @@
     </p:spTree>
     <p:extLst>
       <p:ext uri="{BB962C8B-B14F-4D97-AF65-F5344CB8AC3E}">
-        <p14:creationId xmlns:p14="http://schemas.microsoft.com/office/powerpoint/2010/main" val="976451751"/>
+        <p14:creationId xmlns:p14="http://schemas.microsoft.com/office/powerpoint/2010/main" val="4154129647"/>
       </p:ext>
     </p:extLst>
   </p:cSld>
@@ -4456,6 +4507,184 @@
                   <a:srgbClr val="FF0000"/>
                 </a:solidFill>
               </a:rPr>
+              <a:t>The </a:t>
+            </a:r>
+            <a:r>
+              <a:rPr lang="en-US" sz="3600" dirty="0">
+                <a:solidFill>
+                  <a:srgbClr val="FF0000"/>
+                </a:solidFill>
+              </a:rPr>
+              <a:t>main parts of an Operating System</a:t>
+            </a:r>
+          </a:p>
+        </p:txBody>
+      </p:sp>
+      <p:sp>
+        <p:nvSpPr>
+          <p:cNvPr id="3" name="Content Placeholder 2"/>
+          <p:cNvSpPr>
+            <a:spLocks noGrp="1"/>
+          </p:cNvSpPr>
+          <p:nvPr>
+            <p:ph idx="1"/>
+          </p:nvPr>
+        </p:nvSpPr>
+        <p:spPr/>
+        <p:txBody>
+          <a:bodyPr>
+            <a:normAutofit fontScale="77500" lnSpcReduction="20000"/>
+          </a:bodyPr>
+          <a:lstStyle/>
+          <a:p>
+            <a:r>
+              <a:rPr lang="en-CA" sz="2400" dirty="0" smtClean="0"/>
+              <a:t>Memory </a:t>
+            </a:r>
+            <a:r>
+              <a:rPr lang="en-CA" sz="2400" dirty="0" smtClean="0"/>
+              <a:t>Manager</a:t>
+            </a:r>
+          </a:p>
+          <a:p>
+            <a:pPr lvl="1"/>
+            <a:r>
+              <a:rPr lang="en-CA" sz="2000" dirty="0" smtClean="0"/>
+              <a:t>Allocates separate regions of RAM memory to running user applications enforces security between the regions</a:t>
+            </a:r>
+          </a:p>
+          <a:p>
+            <a:pPr lvl="1"/>
+            <a:endParaRPr lang="en-CA" sz="2000" dirty="0" smtClean="0"/>
+          </a:p>
+          <a:p>
+            <a:r>
+              <a:rPr lang="en-CA" sz="2400" dirty="0" smtClean="0"/>
+              <a:t>Process Manager</a:t>
+            </a:r>
+          </a:p>
+          <a:p>
+            <a:pPr lvl="1"/>
+            <a:r>
+              <a:rPr lang="en-CA" sz="2000" dirty="0" smtClean="0"/>
+              <a:t>Schedules different applications to run for short periods of time and cycles between applications  to keep them all running  (Lag or slow program execution is an indication of process scheduling problems.)</a:t>
+            </a:r>
+          </a:p>
+          <a:p>
+            <a:pPr lvl="1"/>
+            <a:endParaRPr lang="en-CA" sz="2000" dirty="0" smtClean="0"/>
+          </a:p>
+          <a:p>
+            <a:r>
+              <a:rPr lang="en-CA" sz="2400" dirty="0" smtClean="0"/>
+              <a:t>Security Monitor</a:t>
+            </a:r>
+          </a:p>
+          <a:p>
+            <a:pPr lvl="1"/>
+            <a:r>
+              <a:rPr lang="en-CA" sz="2000" dirty="0" smtClean="0"/>
+              <a:t>Manages and enforces privileges and access to hardware devices and resources</a:t>
+            </a:r>
+          </a:p>
+          <a:p>
+            <a:pPr lvl="1"/>
+            <a:r>
+              <a:rPr lang="en-CA" sz="2000" dirty="0" smtClean="0"/>
+              <a:t>Manages and enforces ownership and access privileges to user accounts and user files.</a:t>
+            </a:r>
+          </a:p>
+          <a:p>
+            <a:pPr lvl="1"/>
+            <a:endParaRPr lang="en-CA" sz="2000" dirty="0" smtClean="0"/>
+          </a:p>
+          <a:p>
+            <a:r>
+              <a:rPr lang="en-CA" sz="2400" dirty="0" smtClean="0"/>
+              <a:t>Update </a:t>
+            </a:r>
+            <a:r>
+              <a:rPr lang="en-CA" sz="2400" dirty="0" smtClean="0"/>
+              <a:t>Manager</a:t>
+            </a:r>
+          </a:p>
+          <a:p>
+            <a:pPr lvl="1"/>
+            <a:r>
+              <a:rPr lang="en-CA" sz="2000" dirty="0" smtClean="0"/>
+              <a:t>Runs a periodic audit to make sure all software components and device drivers are up to date.</a:t>
+            </a:r>
+          </a:p>
+          <a:p>
+            <a:pPr lvl="1"/>
+            <a:r>
+              <a:rPr lang="en-CA" sz="2000" dirty="0" smtClean="0"/>
+              <a:t>Important part of virus protection and system security</a:t>
+            </a:r>
+            <a:endParaRPr lang="en-CA" sz="2000" dirty="0" smtClean="0"/>
+          </a:p>
+          <a:p>
+            <a:pPr lvl="1"/>
+            <a:endParaRPr lang="en-CA" sz="2000" dirty="0" smtClean="0"/>
+          </a:p>
+          <a:p>
+            <a:endParaRPr lang="en-US" sz="2400" dirty="0"/>
+          </a:p>
+        </p:txBody>
+      </p:sp>
+    </p:spTree>
+    <p:extLst>
+      <p:ext uri="{BB962C8B-B14F-4D97-AF65-F5344CB8AC3E}">
+        <p14:creationId xmlns:p14="http://schemas.microsoft.com/office/powerpoint/2010/main" val="976451751"/>
+      </p:ext>
+    </p:extLst>
+  </p:cSld>
+  <p:clrMapOvr>
+    <a:masterClrMapping/>
+  </p:clrMapOvr>
+</p:sld>
+</file>
+
+<file path=ppt/slides/slide8.xml><?xml version="1.0" encoding="utf-8"?>
+<p:sld xmlns:a="http://schemas.openxmlformats.org/drawingml/2006/main" xmlns:r="http://schemas.openxmlformats.org/officeDocument/2006/relationships" xmlns:p="http://schemas.openxmlformats.org/presentationml/2006/main">
+  <p:cSld>
+    <p:spTree>
+      <p:nvGrpSpPr>
+        <p:cNvPr id="1" name=""/>
+        <p:cNvGrpSpPr/>
+        <p:nvPr/>
+      </p:nvGrpSpPr>
+      <p:grpSpPr>
+        <a:xfrm>
+          <a:off x="0" y="0"/>
+          <a:ext cx="0" cy="0"/>
+          <a:chOff x="0" y="0"/>
+          <a:chExt cx="0" cy="0"/>
+        </a:xfrm>
+      </p:grpSpPr>
+      <p:sp>
+        <p:nvSpPr>
+          <p:cNvPr id="2" name="Title 1"/>
+          <p:cNvSpPr>
+            <a:spLocks noGrp="1"/>
+          </p:cNvSpPr>
+          <p:nvPr>
+            <p:ph type="title"/>
+          </p:nvPr>
+        </p:nvSpPr>
+        <p:spPr/>
+        <p:txBody>
+          <a:bodyPr>
+            <a:normAutofit/>
+          </a:bodyPr>
+          <a:lstStyle/>
+          <a:p>
+            <a:r>
+              <a:rPr lang="en-US" sz="3600" dirty="0" smtClean="0">
+                <a:solidFill>
+                  <a:srgbClr val="FF0000"/>
+                </a:solidFill>
+              </a:rPr>
               <a:t>Some </a:t>
             </a:r>
             <a:r>
@@ -4481,40 +4710,129 @@
         </p:nvSpPr>
         <p:spPr/>
         <p:txBody>
-          <a:bodyPr/>
+          <a:bodyPr>
+            <a:normAutofit fontScale="62500" lnSpcReduction="20000"/>
+          </a:bodyPr>
           <a:lstStyle/>
           <a:p>
             <a:r>
               <a:rPr lang="en-CA" dirty="0" smtClean="0"/>
-              <a:t>Windows OS</a:t>
-            </a:r>
-          </a:p>
-          <a:p>
+              <a:t>Windows </a:t>
+            </a:r>
             <a:r>
               <a:rPr lang="en-CA" dirty="0" smtClean="0"/>
-              <a:t>Mac OS</a:t>
-            </a:r>
-          </a:p>
-          <a:p>
+              <a:t>OS</a:t>
+            </a:r>
+          </a:p>
+          <a:p>
+            <a:pPr lvl="1"/>
             <a:r>
               <a:rPr lang="en-CA" dirty="0" smtClean="0"/>
-              <a:t>Linux / Unix</a:t>
-            </a:r>
+              <a:t>PCs / Laptops / Tablets</a:t>
+            </a:r>
+          </a:p>
+          <a:p>
+            <a:pPr lvl="1"/>
+            <a:endParaRPr lang="en-CA" dirty="0" smtClean="0"/>
           </a:p>
           <a:p>
             <a:r>
               <a:rPr lang="en-CA" dirty="0" smtClean="0"/>
-              <a:t>Android</a:t>
-            </a:r>
-          </a:p>
-          <a:p>
-            <a:r>
-              <a:rPr lang="en-CA" smtClean="0"/>
+              <a:t>Mac </a:t>
+            </a:r>
+            <a:r>
+              <a:rPr lang="en-CA" dirty="0" smtClean="0"/>
+              <a:t>OS</a:t>
+            </a:r>
+          </a:p>
+          <a:p>
+            <a:pPr lvl="1"/>
+            <a:r>
+              <a:rPr lang="en-CA" dirty="0" smtClean="0"/>
+              <a:t>PCs / Laptops</a:t>
+            </a:r>
+          </a:p>
+          <a:p>
+            <a:pPr lvl="1"/>
+            <a:endParaRPr lang="en-CA" dirty="0" smtClean="0"/>
+          </a:p>
+          <a:p>
+            <a:r>
+              <a:rPr lang="en-CA" dirty="0" smtClean="0"/>
+              <a:t>Linux / </a:t>
+            </a:r>
+            <a:r>
+              <a:rPr lang="en-CA" dirty="0" smtClean="0"/>
+              <a:t>Unix </a:t>
+            </a:r>
+          </a:p>
+          <a:p>
+            <a:pPr lvl="1"/>
+            <a:r>
+              <a:rPr lang="en-CA" dirty="0" smtClean="0"/>
+              <a:t>PCs / Laptops / Phones / Embedded Devices</a:t>
+            </a:r>
+          </a:p>
+          <a:p>
+            <a:pPr lvl="1"/>
+            <a:endParaRPr lang="en-CA" dirty="0" smtClean="0"/>
+          </a:p>
+          <a:p>
+            <a:r>
+              <a:rPr lang="en-CA" dirty="0" smtClean="0"/>
+              <a:t>Android / Chrome</a:t>
+            </a:r>
+          </a:p>
+          <a:p>
+            <a:pPr lvl="1"/>
+            <a:r>
+              <a:rPr lang="en-CA" dirty="0" smtClean="0"/>
+              <a:t>Phones / Tablets / Embedded Devices</a:t>
+            </a:r>
+            <a:br>
+              <a:rPr lang="en-CA" dirty="0" smtClean="0"/>
+            </a:br>
+            <a:endParaRPr lang="en-CA" dirty="0" smtClean="0"/>
+          </a:p>
+          <a:p>
+            <a:r>
+              <a:rPr lang="en-CA" dirty="0" smtClean="0"/>
               <a:t>iOS</a:t>
             </a:r>
           </a:p>
           <a:p>
-            <a:endParaRPr lang="en-US"/>
+            <a:pPr lvl="1"/>
+            <a:r>
+              <a:rPr lang="en-CA" dirty="0"/>
+              <a:t>Phones / </a:t>
+            </a:r>
+            <a:r>
+              <a:rPr lang="en-CA" dirty="0" smtClean="0"/>
+              <a:t>Tablets</a:t>
+            </a:r>
+            <a:br>
+              <a:rPr lang="en-CA" dirty="0" smtClean="0"/>
+            </a:br>
+            <a:endParaRPr lang="en-CA" dirty="0" smtClean="0"/>
+          </a:p>
+          <a:p>
+            <a:r>
+              <a:rPr lang="en-CA" dirty="0" smtClean="0"/>
+              <a:t>z/OS</a:t>
+            </a:r>
+          </a:p>
+          <a:p>
+            <a:pPr lvl="1"/>
+            <a:r>
+              <a:rPr lang="en-CA" dirty="0" smtClean="0"/>
+              <a:t>IBM Mainframe Computers</a:t>
+            </a:r>
+          </a:p>
+          <a:p>
+            <a:endParaRPr lang="en-CA" dirty="0" smtClean="0"/>
+          </a:p>
+          <a:p>
+            <a:endParaRPr lang="en-US" dirty="0"/>
           </a:p>
         </p:txBody>
       </p:sp>
@@ -4531,7 +4849,7 @@
 </p:sld>
 </file>
 
-<file path=ppt/slides/slide8.xml><?xml version="1.0" encoding="utf-8"?>
+<file path=ppt/slides/slide9.xml><?xml version="1.0" encoding="utf-8"?>
 <p:sld xmlns:a="http://schemas.openxmlformats.org/drawingml/2006/main" xmlns:r="http://schemas.openxmlformats.org/officeDocument/2006/relationships" xmlns:p="http://schemas.openxmlformats.org/presentationml/2006/main">
   <p:cSld>
     <p:spTree>
